--- a/CCC_Senior/Week7/week7.pptx
+++ b/CCC_Senior/Week7/week7.pptx
@@ -128,6 +128,11 @@
       </a:defRPr>
     </a:lvl9pPr>
   </p:defaultTextStyle>
+  <p:extLst>
+    <p:ext uri="{EFAFB233-063F-42B5-8137-9DF3F51BA10A}">
+      <p15:sldGuideLst xmlns:p15="http://schemas.microsoft.com/office/powerpoint/2012/main"/>
+    </p:ext>
+  </p:extLst>
 </p:presentation>
 </file>
 
@@ -284,7 +289,7 @@
           <a:p>
             <a:fld id="{79C5A860-F335-4252-AA00-24FB67ED2982}" type="datetime1">
               <a:rPr lang="en-US" smtClean="0"/>
-              <a:t>8/14/22</a:t>
+              <a:t>11/4/22</a:t>
             </a:fld>
             <a:endParaRPr lang="en-US"/>
           </a:p>
@@ -483,7 +488,7 @@
           <a:p>
             <a:fld id="{46AB1048-0047-48CA-88BA-D69B470942CF}" type="datetime1">
               <a:rPr lang="en-US" smtClean="0"/>
-              <a:t>8/14/22</a:t>
+              <a:t>11/4/22</a:t>
             </a:fld>
             <a:endParaRPr lang="en-US"/>
           </a:p>
@@ -693,7 +698,7 @@
           <a:p>
             <a:fld id="{5BD83879-648C-49A9-81A2-0EF5946532D0}" type="datetime1">
               <a:rPr lang="en-US" smtClean="0"/>
-              <a:t>8/14/22</a:t>
+              <a:t>11/4/22</a:t>
             </a:fld>
             <a:endParaRPr lang="en-US"/>
           </a:p>
@@ -891,7 +896,7 @@
           <a:p>
             <a:fld id="{D04BC802-30E3-4658-9CCA-F873646FEC67}" type="datetime1">
               <a:rPr lang="en-US" smtClean="0"/>
-              <a:t>8/14/22</a:t>
+              <a:t>11/4/22</a:t>
             </a:fld>
             <a:endParaRPr lang="en-US"/>
           </a:p>
@@ -1169,7 +1174,7 @@
           <a:p>
             <a:fld id="{0AB227A3-19CE-4153-81CE-64EB7AB094B3}" type="datetime1">
               <a:rPr lang="en-US" smtClean="0"/>
-              <a:t>8/14/22</a:t>
+              <a:t>11/4/22</a:t>
             </a:fld>
             <a:endParaRPr lang="en-US"/>
           </a:p>
@@ -1436,7 +1441,7 @@
           <a:p>
             <a:fld id="{B819A100-10F6-477E-8847-29D479EF1C92}" type="datetime1">
               <a:rPr lang="en-US" smtClean="0"/>
-              <a:t>8/14/22</a:t>
+              <a:t>11/4/22</a:t>
             </a:fld>
             <a:endParaRPr lang="en-US"/>
           </a:p>
@@ -1850,7 +1855,7 @@
           <a:p>
             <a:fld id="{5DF128AB-198A-495F-8475-FDB360C9873F}" type="datetime1">
               <a:rPr lang="en-US" smtClean="0"/>
-              <a:t>8/14/22</a:t>
+              <a:t>11/4/22</a:t>
             </a:fld>
             <a:endParaRPr lang="en-US"/>
           </a:p>
@@ -1991,7 +1996,7 @@
           <a:p>
             <a:fld id="{021A235E-F8FD-479F-9FC7-18BE84110877}" type="datetime1">
               <a:rPr lang="en-US" smtClean="0"/>
-              <a:t>8/14/22</a:t>
+              <a:t>11/4/22</a:t>
             </a:fld>
             <a:endParaRPr lang="en-US"/>
           </a:p>
@@ -2104,7 +2109,7 @@
           <a:p>
             <a:fld id="{E890F09B-68DA-462E-9DB4-4C9ADAB8CBCC}" type="datetime1">
               <a:rPr lang="en-US" smtClean="0"/>
-              <a:t>8/14/22</a:t>
+              <a:t>11/4/22</a:t>
             </a:fld>
             <a:endParaRPr lang="en-US"/>
           </a:p>
@@ -2423,7 +2428,7 @@
           <a:p>
             <a:fld id="{17AC4E36-FABE-47EB-AA7F-C19A93824617}" type="datetime1">
               <a:rPr lang="en-US" smtClean="0"/>
-              <a:t>8/14/22</a:t>
+              <a:t>11/4/22</a:t>
             </a:fld>
             <a:endParaRPr lang="en-US"/>
           </a:p>
@@ -2720,7 +2725,7 @@
           <a:p>
             <a:fld id="{F199CE6B-5DE6-4A2D-B72E-5E8969F9F56F}" type="datetime1">
               <a:rPr lang="en-US" smtClean="0"/>
-              <a:t>8/14/22</a:t>
+              <a:t>11/4/22</a:t>
             </a:fld>
             <a:endParaRPr lang="en-US"/>
           </a:p>
@@ -3578,7 +3583,7 @@
           <a:p>
             <a:fld id="{F481A142-DA77-4A5F-AD1F-14E6C18F0F5F}" type="datetime1">
               <a:rPr lang="en-US" smtClean="0"/>
-              <a:t>8/14/22</a:t>
+              <a:t>11/4/22</a:t>
             </a:fld>
             <a:endParaRPr lang="en-US" dirty="0"/>
           </a:p>
@@ -6359,9 +6364,16 @@
             <p:ph idx="1"/>
           </p:nvPr>
         </p:nvSpPr>
-        <p:spPr/>
-        <p:txBody>
-          <a:bodyPr/>
+        <p:spPr>
+          <a:xfrm>
+            <a:off x="609600" y="2106204"/>
+            <a:ext cx="10972800" cy="4587204"/>
+          </a:xfrm>
+        </p:spPr>
+        <p:txBody>
+          <a:bodyPr>
+            <a:normAutofit lnSpcReduction="10000"/>
+          </a:bodyPr>
           <a:lstStyle/>
           <a:p>
             <a:r>
@@ -6376,22 +6388,49 @@
             </a:r>
           </a:p>
           <a:p>
+            <a:r>
+              <a:rPr lang="en-US" sz="2400" dirty="0"/>
+              <a:t>F(a, b) = the minimum number of moves to cut rectangle a, b into squares</a:t>
+            </a:r>
+          </a:p>
+          <a:p>
+            <a:r>
+              <a:rPr lang="en-US" sz="2400" dirty="0"/>
+              <a:t>Reduction to subproblems:</a:t>
+            </a:r>
+          </a:p>
+          <a:p>
+            <a:r>
+              <a:rPr lang="en-US" sz="2400" dirty="0"/>
+              <a:t>min(a, b) = b</a:t>
+            </a:r>
+          </a:p>
+          <a:p>
+            <a:r>
+              <a:rPr lang="en-US" sz="2400" dirty="0"/>
+              <a:t>F(a, b) = 1 + F(a-b, b)</a:t>
+            </a:r>
+          </a:p>
+          <a:p>
+            <a:r>
+              <a:rPr lang="en-US" sz="2400" dirty="0"/>
+              <a:t>Min(a, b) = a</a:t>
+            </a:r>
+          </a:p>
+          <a:p>
+            <a:r>
+              <a:rPr lang="en-US" sz="2400" dirty="0"/>
+              <a:t>F(a, b) = 1 + F(a, b-a)</a:t>
+            </a:r>
+          </a:p>
+          <a:p>
+            <a:r>
+              <a:rPr lang="en-US" sz="2400" dirty="0"/>
+              <a:t>Combine solutions:</a:t>
+            </a:r>
+          </a:p>
+          <a:p>
             <a:endParaRPr lang="en-US" sz="2400" dirty="0"/>
-          </a:p>
-          <a:p>
-            <a:r>
-              <a:rPr lang="en-US" sz="2400" dirty="0"/>
-              <a:t>Reduction to subproblems:</a:t>
-            </a:r>
-          </a:p>
-          <a:p>
-            <a:endParaRPr lang="en-US" sz="2400" dirty="0"/>
-          </a:p>
-          <a:p>
-            <a:r>
-              <a:rPr lang="en-US" sz="2400" dirty="0"/>
-              <a:t>Combine solutions:</a:t>
-            </a:r>
           </a:p>
           <a:p>
             <a:endParaRPr lang="en-US" dirty="0"/>
